--- a/Neutron-Density Charts for Porosity.pptx
+++ b/Neutron-Density Charts for Porosity.pptx
@@ -8,10 +8,12 @@
     <p:sldId id="258" r:id="rId2"/>
     <p:sldId id="256" r:id="rId3"/>
     <p:sldId id="259" r:id="rId4"/>
-    <p:sldId id="257" r:id="rId5"/>
-    <p:sldId id="260" r:id="rId6"/>
-    <p:sldId id="261" r:id="rId7"/>
-    <p:sldId id="262" r:id="rId8"/>
+    <p:sldId id="263" r:id="rId5"/>
+    <p:sldId id="257" r:id="rId6"/>
+    <p:sldId id="260" r:id="rId7"/>
+    <p:sldId id="261" r:id="rId8"/>
+    <p:sldId id="262" r:id="rId9"/>
+    <p:sldId id="264" r:id="rId10"/>
   </p:sldIdLst>
   <p:sldSz cx="12192000" cy="6858000"/>
   <p:notesSz cx="6858000" cy="9144000"/>
@@ -265,7 +267,7 @@
           <a:p>
             <a:fld id="{9E31CBA8-7DE2-4276-9FC4-E242875AED4D}" type="datetimeFigureOut">
               <a:rPr lang="en-US" smtClean="0"/>
-              <a:t>12/25/19</a:t>
+              <a:t>12/26/19</a:t>
             </a:fld>
             <a:endParaRPr lang="en-US"/>
           </a:p>
@@ -463,7 +465,7 @@
           <a:p>
             <a:fld id="{9E31CBA8-7DE2-4276-9FC4-E242875AED4D}" type="datetimeFigureOut">
               <a:rPr lang="en-US" smtClean="0"/>
-              <a:t>12/25/19</a:t>
+              <a:t>12/26/19</a:t>
             </a:fld>
             <a:endParaRPr lang="en-US"/>
           </a:p>
@@ -671,7 +673,7 @@
           <a:p>
             <a:fld id="{9E31CBA8-7DE2-4276-9FC4-E242875AED4D}" type="datetimeFigureOut">
               <a:rPr lang="en-US" smtClean="0"/>
-              <a:t>12/25/19</a:t>
+              <a:t>12/26/19</a:t>
             </a:fld>
             <a:endParaRPr lang="en-US"/>
           </a:p>
@@ -869,7 +871,7 @@
           <a:p>
             <a:fld id="{9E31CBA8-7DE2-4276-9FC4-E242875AED4D}" type="datetimeFigureOut">
               <a:rPr lang="en-US" smtClean="0"/>
-              <a:t>12/25/19</a:t>
+              <a:t>12/26/19</a:t>
             </a:fld>
             <a:endParaRPr lang="en-US"/>
           </a:p>
@@ -1144,7 +1146,7 @@
           <a:p>
             <a:fld id="{9E31CBA8-7DE2-4276-9FC4-E242875AED4D}" type="datetimeFigureOut">
               <a:rPr lang="en-US" smtClean="0"/>
-              <a:t>12/25/19</a:t>
+              <a:t>12/26/19</a:t>
             </a:fld>
             <a:endParaRPr lang="en-US"/>
           </a:p>
@@ -1409,7 +1411,7 @@
           <a:p>
             <a:fld id="{9E31CBA8-7DE2-4276-9FC4-E242875AED4D}" type="datetimeFigureOut">
               <a:rPr lang="en-US" smtClean="0"/>
-              <a:t>12/25/19</a:t>
+              <a:t>12/26/19</a:t>
             </a:fld>
             <a:endParaRPr lang="en-US"/>
           </a:p>
@@ -1821,7 +1823,7 @@
           <a:p>
             <a:fld id="{9E31CBA8-7DE2-4276-9FC4-E242875AED4D}" type="datetimeFigureOut">
               <a:rPr lang="en-US" smtClean="0"/>
-              <a:t>12/25/19</a:t>
+              <a:t>12/26/19</a:t>
             </a:fld>
             <a:endParaRPr lang="en-US"/>
           </a:p>
@@ -1962,7 +1964,7 @@
           <a:p>
             <a:fld id="{9E31CBA8-7DE2-4276-9FC4-E242875AED4D}" type="datetimeFigureOut">
               <a:rPr lang="en-US" smtClean="0"/>
-              <a:t>12/25/19</a:t>
+              <a:t>12/26/19</a:t>
             </a:fld>
             <a:endParaRPr lang="en-US"/>
           </a:p>
@@ -2075,7 +2077,7 @@
           <a:p>
             <a:fld id="{9E31CBA8-7DE2-4276-9FC4-E242875AED4D}" type="datetimeFigureOut">
               <a:rPr lang="en-US" smtClean="0"/>
-              <a:t>12/25/19</a:t>
+              <a:t>12/26/19</a:t>
             </a:fld>
             <a:endParaRPr lang="en-US"/>
           </a:p>
@@ -2386,7 +2388,7 @@
           <a:p>
             <a:fld id="{9E31CBA8-7DE2-4276-9FC4-E242875AED4D}" type="datetimeFigureOut">
               <a:rPr lang="en-US" smtClean="0"/>
-              <a:t>12/25/19</a:t>
+              <a:t>12/26/19</a:t>
             </a:fld>
             <a:endParaRPr lang="en-US"/>
           </a:p>
@@ -2674,7 +2676,7 @@
           <a:p>
             <a:fld id="{9E31CBA8-7DE2-4276-9FC4-E242875AED4D}" type="datetimeFigureOut">
               <a:rPr lang="en-US" smtClean="0"/>
-              <a:t>12/25/19</a:t>
+              <a:t>12/26/19</a:t>
             </a:fld>
             <a:endParaRPr lang="en-US"/>
           </a:p>
@@ -2915,7 +2917,7 @@
           <a:p>
             <a:fld id="{9E31CBA8-7DE2-4276-9FC4-E242875AED4D}" type="datetimeFigureOut">
               <a:rPr lang="en-US" smtClean="0"/>
-              <a:t>12/25/19</a:t>
+              <a:t>12/26/19</a:t>
             </a:fld>
             <a:endParaRPr lang="en-US"/>
           </a:p>
@@ -3666,7 +3668,7 @@
           <a:p>
             <a:r>
               <a:rPr lang="en-US" b="1" dirty="0"/>
-              <a:t>SLB SNP CP-1a (FD=1.0) and CP-1b (FD=1.1)</a:t>
+              <a:t>SLB CNL CP-1c (FD=1.0) and CP-1d (FD=1.1)</a:t>
             </a:r>
           </a:p>
         </p:txBody>
@@ -3685,6 +3687,129 @@
 </file>
 
 <file path=ppt/slides/slide4.xml><?xml version="1.0" encoding="utf-8"?>
+<p:sld xmlns:a="http://schemas.openxmlformats.org/drawingml/2006/main" xmlns:r="http://schemas.openxmlformats.org/officeDocument/2006/relationships" xmlns:p="http://schemas.openxmlformats.org/presentationml/2006/main">
+  <p:cSld>
+    <p:spTree>
+      <p:nvGrpSpPr>
+        <p:cNvPr id="1" name=""/>
+        <p:cNvGrpSpPr/>
+        <p:nvPr/>
+      </p:nvGrpSpPr>
+      <p:grpSpPr>
+        <a:xfrm>
+          <a:off x="0" y="0"/>
+          <a:ext cx="0" cy="0"/>
+          <a:chOff x="0" y="0"/>
+          <a:chExt cx="0" cy="0"/>
+        </a:xfrm>
+      </p:grpSpPr>
+      <p:sp>
+        <p:nvSpPr>
+          <p:cNvPr id="4" name="Title 3">
+            <a:extLst>
+              <a:ext uri="{FF2B5EF4-FFF2-40B4-BE49-F238E27FC236}">
+                <a16:creationId xmlns:a16="http://schemas.microsoft.com/office/drawing/2014/main" id="{52816BE3-ED0E-43AD-B3AD-1BA30C54ED36}"/>
+              </a:ext>
+            </a:extLst>
+          </p:cNvPr>
+          <p:cNvSpPr>
+            <a:spLocks noGrp="1"/>
+          </p:cNvSpPr>
+          <p:nvPr>
+            <p:ph type="title"/>
+          </p:nvPr>
+        </p:nvSpPr>
+        <p:spPr>
+          <a:xfrm>
+            <a:off x="838200" y="0"/>
+            <a:ext cx="10515600" cy="1325563"/>
+          </a:xfrm>
+        </p:spPr>
+        <p:txBody>
+          <a:bodyPr/>
+          <a:lstStyle/>
+          <a:p>
+            <a:r>
+              <a:rPr lang="en-US" b="1" dirty="0"/>
+              <a:t>SLB TNPH CP-1e (FD=1.0) and CP-1f (FD=1.1)</a:t>
+            </a:r>
+          </a:p>
+        </p:txBody>
+      </p:sp>
+      <p:pic>
+        <p:nvPicPr>
+          <p:cNvPr id="6" name="Picture 5">
+            <a:extLst>
+              <a:ext uri="{FF2B5EF4-FFF2-40B4-BE49-F238E27FC236}">
+                <a16:creationId xmlns:a16="http://schemas.microsoft.com/office/drawing/2014/main" id="{ED1D900B-27DF-3147-86F9-FD9517A2C322}"/>
+              </a:ext>
+            </a:extLst>
+          </p:cNvPr>
+          <p:cNvPicPr>
+            <a:picLocks noChangeAspect="1"/>
+          </p:cNvPicPr>
+          <p:nvPr/>
+        </p:nvPicPr>
+        <p:blipFill>
+          <a:blip r:embed="rId2"/>
+          <a:stretch>
+            <a:fillRect/>
+          </a:stretch>
+        </p:blipFill>
+        <p:spPr>
+          <a:xfrm>
+            <a:off x="316285" y="1017009"/>
+            <a:ext cx="5262491" cy="5712805"/>
+          </a:xfrm>
+          <a:prstGeom prst="rect">
+            <a:avLst/>
+          </a:prstGeom>
+        </p:spPr>
+      </p:pic>
+      <p:pic>
+        <p:nvPicPr>
+          <p:cNvPr id="7" name="Picture 6">
+            <a:extLst>
+              <a:ext uri="{FF2B5EF4-FFF2-40B4-BE49-F238E27FC236}">
+                <a16:creationId xmlns:a16="http://schemas.microsoft.com/office/drawing/2014/main" id="{D77CE89E-F57A-1840-92FE-BB65FFB8EB83}"/>
+              </a:ext>
+            </a:extLst>
+          </p:cNvPr>
+          <p:cNvPicPr>
+            <a:picLocks noChangeAspect="1"/>
+          </p:cNvPicPr>
+          <p:nvPr/>
+        </p:nvPicPr>
+        <p:blipFill>
+          <a:blip r:embed="rId3"/>
+          <a:stretch>
+            <a:fillRect/>
+          </a:stretch>
+        </p:blipFill>
+        <p:spPr>
+          <a:xfrm>
+            <a:off x="6481546" y="1017008"/>
+            <a:ext cx="5077082" cy="5712806"/>
+          </a:xfrm>
+          <a:prstGeom prst="rect">
+            <a:avLst/>
+          </a:prstGeom>
+        </p:spPr>
+      </p:pic>
+    </p:spTree>
+    <p:extLst>
+      <p:ext uri="{BB962C8B-B14F-4D97-AF65-F5344CB8AC3E}">
+        <p14:creationId xmlns:p14="http://schemas.microsoft.com/office/powerpoint/2010/main" val="878972576"/>
+      </p:ext>
+    </p:extLst>
+  </p:cSld>
+  <p:clrMapOvr>
+    <a:masterClrMapping/>
+  </p:clrMapOvr>
+</p:sld>
+</file>
+
+<file path=ppt/slides/slide5.xml><?xml version="1.0" encoding="utf-8"?>
 <p:sld xmlns:a="http://schemas.openxmlformats.org/drawingml/2006/main" xmlns:r="http://schemas.openxmlformats.org/officeDocument/2006/relationships" xmlns:p="http://schemas.openxmlformats.org/presentationml/2006/main">
   <p:cSld>
     <p:spTree>
@@ -3807,7 +3932,7 @@
 </p:sld>
 </file>
 
-<file path=ppt/slides/slide5.xml><?xml version="1.0" encoding="utf-8"?>
+<file path=ppt/slides/slide6.xml><?xml version="1.0" encoding="utf-8"?>
 <p:sld xmlns:a="http://schemas.openxmlformats.org/drawingml/2006/main" xmlns:r="http://schemas.openxmlformats.org/officeDocument/2006/relationships" xmlns:p="http://schemas.openxmlformats.org/presentationml/2006/main">
   <p:cSld>
     <p:spTree>
@@ -3867,7 +3992,7 @@
 </p:sld>
 </file>
 
-<file path=ppt/slides/slide6.xml><?xml version="1.0" encoding="utf-8"?>
+<file path=ppt/slides/slide7.xml><?xml version="1.0" encoding="utf-8"?>
 <p:sld xmlns:a="http://schemas.openxmlformats.org/drawingml/2006/main" xmlns:r="http://schemas.openxmlformats.org/officeDocument/2006/relationships" xmlns:p="http://schemas.openxmlformats.org/presentationml/2006/main">
   <p:cSld>
     <p:spTree>
@@ -3927,7 +4052,7 @@
 </p:sld>
 </file>
 
-<file path=ppt/slides/slide7.xml><?xml version="1.0" encoding="utf-8"?>
+<file path=ppt/slides/slide8.xml><?xml version="1.0" encoding="utf-8"?>
 <p:sld xmlns:a="http://schemas.openxmlformats.org/drawingml/2006/main" xmlns:r="http://schemas.openxmlformats.org/officeDocument/2006/relationships" xmlns:p="http://schemas.openxmlformats.org/presentationml/2006/main">
   <p:cSld>
     <p:spTree>
@@ -3946,10 +4071,10 @@
       </p:grpSpPr>
       <p:pic>
         <p:nvPicPr>
-          <p:cNvPr id="3" name="Picture 2">
-            <a:extLst>
-              <a:ext uri="{FF2B5EF4-FFF2-40B4-BE49-F238E27FC236}">
-                <a16:creationId xmlns:a16="http://schemas.microsoft.com/office/drawing/2014/main" id="{25ABBD1D-3D3C-194A-A11E-0A9928D9CEC2}"/>
+          <p:cNvPr id="2" name="Picture 1">
+            <a:extLst>
+              <a:ext uri="{FF2B5EF4-FFF2-40B4-BE49-F238E27FC236}">
+                <a16:creationId xmlns:a16="http://schemas.microsoft.com/office/drawing/2014/main" id="{9CB896AB-5C73-1043-969A-B143E4E43228}"/>
               </a:ext>
             </a:extLst>
           </p:cNvPr>
@@ -3966,8 +4091,8 @@
         </p:blipFill>
         <p:spPr>
           <a:xfrm>
-            <a:off x="52513" y="0"/>
-            <a:ext cx="12086974" cy="6858000"/>
+            <a:off x="21629" y="-258417"/>
+            <a:ext cx="12148742" cy="6858000"/>
           </a:xfrm>
           <a:prstGeom prst="rect">
             <a:avLst/>
@@ -3978,6 +4103,66 @@
     <p:extLst>
       <p:ext uri="{BB962C8B-B14F-4D97-AF65-F5344CB8AC3E}">
         <p14:creationId xmlns:p14="http://schemas.microsoft.com/office/powerpoint/2010/main" val="1027098177"/>
+      </p:ext>
+    </p:extLst>
+  </p:cSld>
+  <p:clrMapOvr>
+    <a:masterClrMapping/>
+  </p:clrMapOvr>
+</p:sld>
+</file>
+
+<file path=ppt/slides/slide9.xml><?xml version="1.0" encoding="utf-8"?>
+<p:sld xmlns:a="http://schemas.openxmlformats.org/drawingml/2006/main" xmlns:r="http://schemas.openxmlformats.org/officeDocument/2006/relationships" xmlns:p="http://schemas.openxmlformats.org/presentationml/2006/main">
+  <p:cSld>
+    <p:spTree>
+      <p:nvGrpSpPr>
+        <p:cNvPr id="1" name=""/>
+        <p:cNvGrpSpPr/>
+        <p:nvPr/>
+      </p:nvGrpSpPr>
+      <p:grpSpPr>
+        <a:xfrm>
+          <a:off x="0" y="0"/>
+          <a:ext cx="0" cy="0"/>
+          <a:chOff x="0" y="0"/>
+          <a:chExt cx="0" cy="0"/>
+        </a:xfrm>
+      </p:grpSpPr>
+      <p:pic>
+        <p:nvPicPr>
+          <p:cNvPr id="2" name="Picture 1">
+            <a:extLst>
+              <a:ext uri="{FF2B5EF4-FFF2-40B4-BE49-F238E27FC236}">
+                <a16:creationId xmlns:a16="http://schemas.microsoft.com/office/drawing/2014/main" id="{9E5938D5-2131-4E47-A180-8385DE3BDEC4}"/>
+              </a:ext>
+            </a:extLst>
+          </p:cNvPr>
+          <p:cNvPicPr>
+            <a:picLocks noChangeAspect="1"/>
+          </p:cNvPicPr>
+          <p:nvPr/>
+        </p:nvPicPr>
+        <p:blipFill>
+          <a:blip r:embed="rId2"/>
+          <a:stretch>
+            <a:fillRect/>
+          </a:stretch>
+        </p:blipFill>
+        <p:spPr>
+          <a:xfrm>
+            <a:off x="55144" y="0"/>
+            <a:ext cx="12081711" cy="6858000"/>
+          </a:xfrm>
+          <a:prstGeom prst="rect">
+            <a:avLst/>
+          </a:prstGeom>
+        </p:spPr>
+      </p:pic>
+    </p:spTree>
+    <p:extLst>
+      <p:ext uri="{BB962C8B-B14F-4D97-AF65-F5344CB8AC3E}">
+        <p14:creationId xmlns:p14="http://schemas.microsoft.com/office/powerpoint/2010/main" val="459918684"/>
       </p:ext>
     </p:extLst>
   </p:cSld>
